--- a/slides/TaskDelegation.pptx
+++ b/slides/TaskDelegation.pptx
@@ -233,7 +233,7 @@
           <a:p>
             <a:fld id="{C7CA8819-4D2C-3845-B770-D61F69A7DC8A}" type="datetimeFigureOut">
               <a:rPr lang="ru-RU" smtClean="0"/>
-              <a:t>21.04.2023</a:t>
+              <a:t>12.05.2023</a:t>
             </a:fld>
             <a:endParaRPr lang="ru-RU"/>
           </a:p>
@@ -4786,7 +4786,7 @@
           <a:p>
             <a:fld id="{B2D2823E-4404-5047-8949-91105A22C05A}" type="datetimeFigureOut">
               <a:rPr lang="ru-RU" smtClean="0"/>
-              <a:t>21.04.2023</a:t>
+              <a:t>12.05.2023</a:t>
             </a:fld>
             <a:endParaRPr lang="ru-RU"/>
           </a:p>
@@ -4984,7 +4984,7 @@
           <a:p>
             <a:fld id="{B2D2823E-4404-5047-8949-91105A22C05A}" type="datetimeFigureOut">
               <a:rPr lang="ru-RU" smtClean="0"/>
-              <a:t>21.04.2023</a:t>
+              <a:t>12.05.2023</a:t>
             </a:fld>
             <a:endParaRPr lang="ru-RU"/>
           </a:p>
@@ -5192,7 +5192,7 @@
           <a:p>
             <a:fld id="{B2D2823E-4404-5047-8949-91105A22C05A}" type="datetimeFigureOut">
               <a:rPr lang="ru-RU" smtClean="0"/>
-              <a:t>21.04.2023</a:t>
+              <a:t>12.05.2023</a:t>
             </a:fld>
             <a:endParaRPr lang="ru-RU"/>
           </a:p>
@@ -6021,7 +6021,7 @@
           <a:p>
             <a:fld id="{B2D2823E-4404-5047-8949-91105A22C05A}" type="datetimeFigureOut">
               <a:rPr lang="ru-RU" smtClean="0"/>
-              <a:t>21.04.2023</a:t>
+              <a:t>12.05.2023</a:t>
             </a:fld>
             <a:endParaRPr lang="ru-RU"/>
           </a:p>
@@ -6296,7 +6296,7 @@
           <a:p>
             <a:fld id="{B2D2823E-4404-5047-8949-91105A22C05A}" type="datetimeFigureOut">
               <a:rPr lang="ru-RU" smtClean="0"/>
-              <a:t>21.04.2023</a:t>
+              <a:t>12.05.2023</a:t>
             </a:fld>
             <a:endParaRPr lang="ru-RU"/>
           </a:p>
@@ -6561,7 +6561,7 @@
           <a:p>
             <a:fld id="{B2D2823E-4404-5047-8949-91105A22C05A}" type="datetimeFigureOut">
               <a:rPr lang="ru-RU" smtClean="0"/>
-              <a:t>21.04.2023</a:t>
+              <a:t>12.05.2023</a:t>
             </a:fld>
             <a:endParaRPr lang="ru-RU"/>
           </a:p>
@@ -6973,7 +6973,7 @@
           <a:p>
             <a:fld id="{B2D2823E-4404-5047-8949-91105A22C05A}" type="datetimeFigureOut">
               <a:rPr lang="ru-RU" smtClean="0"/>
-              <a:t>21.04.2023</a:t>
+              <a:t>12.05.2023</a:t>
             </a:fld>
             <a:endParaRPr lang="ru-RU"/>
           </a:p>
@@ -7114,7 +7114,7 @@
           <a:p>
             <a:fld id="{B2D2823E-4404-5047-8949-91105A22C05A}" type="datetimeFigureOut">
               <a:rPr lang="ru-RU" smtClean="0"/>
-              <a:t>21.04.2023</a:t>
+              <a:t>12.05.2023</a:t>
             </a:fld>
             <a:endParaRPr lang="ru-RU"/>
           </a:p>
@@ -7227,7 +7227,7 @@
           <a:p>
             <a:fld id="{B2D2823E-4404-5047-8949-91105A22C05A}" type="datetimeFigureOut">
               <a:rPr lang="ru-RU" smtClean="0"/>
-              <a:t>21.04.2023</a:t>
+              <a:t>12.05.2023</a:t>
             </a:fld>
             <a:endParaRPr lang="ru-RU"/>
           </a:p>
@@ -7538,7 +7538,7 @@
           <a:p>
             <a:fld id="{B2D2823E-4404-5047-8949-91105A22C05A}" type="datetimeFigureOut">
               <a:rPr lang="ru-RU" smtClean="0"/>
-              <a:t>21.04.2023</a:t>
+              <a:t>12.05.2023</a:t>
             </a:fld>
             <a:endParaRPr lang="ru-RU"/>
           </a:p>
@@ -7826,7 +7826,7 @@
           <a:p>
             <a:fld id="{B2D2823E-4404-5047-8949-91105A22C05A}" type="datetimeFigureOut">
               <a:rPr lang="ru-RU" smtClean="0"/>
-              <a:t>21.04.2023</a:t>
+              <a:t>12.05.2023</a:t>
             </a:fld>
             <a:endParaRPr lang="ru-RU"/>
           </a:p>
@@ -8067,7 +8067,7 @@
           <a:p>
             <a:fld id="{B2D2823E-4404-5047-8949-91105A22C05A}" type="datetimeFigureOut">
               <a:rPr lang="ru-RU" smtClean="0"/>
-              <a:t>21.04.2023</a:t>
+              <a:t>12.05.2023</a:t>
             </a:fld>
             <a:endParaRPr lang="ru-RU"/>
           </a:p>
@@ -8503,7 +8503,7 @@
         </p:nvSpPr>
         <p:spPr>
           <a:xfrm>
-            <a:off x="1524000" y="1854201"/>
+            <a:off x="1524000" y="1536567"/>
             <a:ext cx="9144000" cy="2908299"/>
           </a:xfrm>
         </p:spPr>
@@ -8554,20 +8554,62 @@
         </p:nvSpPr>
         <p:spPr>
           <a:xfrm>
-            <a:off x="1524000" y="3836504"/>
-            <a:ext cx="9144000" cy="2345635"/>
+            <a:off x="1524000" y="4649002"/>
+            <a:ext cx="9144000" cy="2027750"/>
           </a:xfrm>
         </p:spPr>
         <p:txBody>
           <a:bodyPr>
-            <a:normAutofit/>
+            <a:normAutofit fontScale="62500" lnSpcReduction="20000"/>
           </a:bodyPr>
           <a:lstStyle/>
           <a:p>
+            <a:r>
+              <a:rPr lang="ru-RU" dirty="0"/>
+              <a:t>Алгоритм постановки задач</a:t>
+            </a:r>
+          </a:p>
+          <a:p>
+            <a:r>
+              <a:rPr lang="ru-RU" dirty="0"/>
+              <a:t>Виды контроля и их особенности. Когда какие применять?</a:t>
+            </a:r>
+          </a:p>
+          <a:p>
+            <a:r>
+              <a:rPr lang="ru-RU" dirty="0"/>
+              <a:t>Ситуационное руководство по Кену Бланшарду, стили руководства</a:t>
+            </a:r>
+          </a:p>
+          <a:p>
+            <a:r>
+              <a:rPr lang="ru-RU" dirty="0"/>
+              <a:t>Уровни делегирования.</a:t>
+            </a:r>
             <a:endParaRPr lang="en-US" dirty="0"/>
           </a:p>
           <a:p>
+            <a:r>
+              <a:rPr lang="ru-RU" dirty="0"/>
+              <a:t>Обратное делегирование.</a:t>
+            </a:r>
             <a:endParaRPr lang="en-US" dirty="0"/>
+          </a:p>
+          <a:p>
+            <a:r>
+              <a:rPr lang="ru-RU" dirty="0"/>
+              <a:t>Почему менеджеры не делегируют?</a:t>
+            </a:r>
+          </a:p>
+          <a:p>
+            <a:r>
+              <a:rPr lang="ru-RU" dirty="0"/>
+              <a:t>Модель </a:t>
+            </a:r>
+            <a:r>
+              <a:rPr lang="en-US" dirty="0"/>
+              <a:t>GROW</a:t>
+            </a:r>
           </a:p>
           <a:p>
             <a:endParaRPr lang="en-US" dirty="0"/>
@@ -28524,90 +28566,75 @@
       </p:grpSpPr>
       <p:sp>
         <p:nvSpPr>
-          <p:cNvPr id="649" name="Google Shape;649;p56"/>
-          <p:cNvSpPr txBox="1"/>
-          <p:nvPr/>
+          <p:cNvPr id="2" name="Заголовок 1">
+            <a:extLst>
+              <a:ext uri="{FF2B5EF4-FFF2-40B4-BE49-F238E27FC236}">
+                <a16:creationId xmlns:a16="http://schemas.microsoft.com/office/drawing/2014/main" id="{1AAA9217-9116-D501-34DF-B49EF70DCBC7}"/>
+              </a:ext>
+            </a:extLst>
+          </p:cNvPr>
+          <p:cNvSpPr>
+            <a:spLocks noGrp="1"/>
+          </p:cNvSpPr>
+          <p:nvPr>
+            <p:ph type="title"/>
+          </p:nvPr>
         </p:nvSpPr>
         <p:spPr>
           <a:xfrm>
-            <a:off x="1652397" y="2612950"/>
-            <a:ext cx="8516145" cy="1389207"/>
+            <a:off x="838200" y="1736726"/>
+            <a:ext cx="10515600" cy="2852737"/>
           </a:xfrm>
-          <a:prstGeom prst="rect">
-            <a:avLst/>
-          </a:prstGeom>
-          <a:noFill/>
-          <a:ln>
-            <a:noFill/>
-          </a:ln>
         </p:spPr>
         <p:txBody>
-          <a:bodyPr spcFirstLastPara="1" wrap="square" lIns="91425" tIns="91425" rIns="91425" bIns="91425" anchor="t" anchorCtr="0">
-            <a:noAutofit/>
+          <a:bodyPr>
+            <a:normAutofit/>
           </a:bodyPr>
           <a:lstStyle/>
           <a:p>
-            <a:pPr marL="0" marR="0" lvl="0" indent="0" algn="ctr" rtl="0">
-              <a:lnSpc>
-                <a:spcPct val="115000"/>
-              </a:lnSpc>
-              <a:spcBef>
-                <a:spcPts val="0"/>
-              </a:spcBef>
-              <a:spcAft>
-                <a:spcPts val="0"/>
-              </a:spcAft>
-              <a:buClr>
-                <a:srgbClr val="000000"/>
-              </a:buClr>
-              <a:buSzPts val="1800"/>
-              <a:buFont typeface="Arial"/>
-              <a:buNone/>
-            </a:pPr>
-            <a:r>
-              <a:rPr lang="ru-RU" sz="3200" b="0" i="0" u="none" strike="noStrike" cap="none" dirty="0">
-                <a:solidFill>
-                  <a:srgbClr val="000000"/>
-                </a:solidFill>
-                <a:latin typeface="Montserrat"/>
-                <a:ea typeface="Montserrat"/>
-                <a:cs typeface="Montserrat"/>
+            <a:r>
+              <a:rPr lang="ru-RU" sz="4000" dirty="0">
                 <a:sym typeface="Montserrat"/>
               </a:rPr>
               <a:t>Как помочь своим людям расти</a:t>
             </a:r>
             <a:br>
-              <a:rPr lang="ru-RU" sz="3200" b="0" i="0" u="none" strike="noStrike" cap="none" dirty="0">
-                <a:solidFill>
-                  <a:srgbClr val="000000"/>
-                </a:solidFill>
-                <a:latin typeface="Montserrat"/>
-                <a:ea typeface="Montserrat"/>
-                <a:cs typeface="Montserrat"/>
+              <a:rPr lang="ru-RU" sz="4000" dirty="0">
                 <a:sym typeface="Montserrat"/>
               </a:rPr>
             </a:br>
             <a:r>
-              <a:rPr lang="ru-RU" sz="3200" b="0" i="0" u="none" strike="noStrike" cap="none" dirty="0">
-                <a:solidFill>
-                  <a:srgbClr val="000000"/>
-                </a:solidFill>
-                <a:latin typeface="Montserrat"/>
-                <a:ea typeface="Montserrat"/>
-                <a:cs typeface="Montserrat"/>
+              <a:rPr lang="ru-RU" sz="4000" dirty="0">
                 <a:sym typeface="Montserrat"/>
               </a:rPr>
               <a:t>и брать ответственность?</a:t>
             </a:r>
-            <a:endParaRPr sz="3200" b="0" i="0" u="none" strike="noStrike" cap="none" dirty="0">
-              <a:solidFill>
-                <a:srgbClr val="000000"/>
-              </a:solidFill>
-              <a:latin typeface="Montserrat"/>
-              <a:ea typeface="Montserrat"/>
-              <a:cs typeface="Montserrat"/>
-              <a:sym typeface="Montserrat"/>
-            </a:endParaRPr>
+            <a:endParaRPr lang="ru-RU" sz="4000" dirty="0"/>
+          </a:p>
+        </p:txBody>
+      </p:sp>
+      <p:sp>
+        <p:nvSpPr>
+          <p:cNvPr id="3" name="Текст 2">
+            <a:extLst>
+              <a:ext uri="{FF2B5EF4-FFF2-40B4-BE49-F238E27FC236}">
+                <a16:creationId xmlns:a16="http://schemas.microsoft.com/office/drawing/2014/main" id="{49BE0685-00AA-6384-CA83-B9921D593C60}"/>
+              </a:ext>
+            </a:extLst>
+          </p:cNvPr>
+          <p:cNvSpPr>
+            <a:spLocks noGrp="1"/>
+          </p:cNvSpPr>
+          <p:nvPr>
+            <p:ph type="body" idx="1"/>
+          </p:nvPr>
+        </p:nvSpPr>
+        <p:spPr/>
+        <p:txBody>
+          <a:bodyPr/>
+          <a:lstStyle/>
+          <a:p>
+            <a:endParaRPr lang="ru-RU" dirty="0"/>
           </a:p>
         </p:txBody>
       </p:sp>
